--- a/Presentations/RabbitMQ.pptx
+++ b/Presentations/RabbitMQ.pptx
@@ -13,6 +13,7 @@
     <p:sldId id="261" r:id="rId7"/>
     <p:sldId id="262" r:id="rId8"/>
     <p:sldId id="263" r:id="rId9"/>
+    <p:sldId id="264" r:id="rId10"/>
   </p:sldIdLst>
   <p:sldSz cx="12192000" cy="6858000"/>
   <p:notesSz cx="6858000" cy="9144000"/>
@@ -14857,6 +14858,142 @@
 </p:sld>
 </file>
 
+<file path=ppt/slides/slide9.xml><?xml version="1.0" encoding="utf-8"?>
+<p:sld xmlns:a="http://schemas.openxmlformats.org/drawingml/2006/main" xmlns:r="http://schemas.openxmlformats.org/officeDocument/2006/relationships" xmlns:p="http://schemas.openxmlformats.org/presentationml/2006/main">
+  <p:cSld>
+    <p:spTree>
+      <p:nvGrpSpPr>
+        <p:cNvPr id="1" name=""/>
+        <p:cNvGrpSpPr/>
+        <p:nvPr/>
+      </p:nvGrpSpPr>
+      <p:grpSpPr>
+        <a:xfrm>
+          <a:off x="0" y="0"/>
+          <a:ext cx="0" cy="0"/>
+          <a:chOff x="0" y="0"/>
+          <a:chExt cx="0" cy="0"/>
+        </a:xfrm>
+      </p:grpSpPr>
+      <p:pic>
+        <p:nvPicPr>
+          <p:cNvPr id="3" name="Picture 2">
+            <a:extLst>
+              <a:ext uri="{FF2B5EF4-FFF2-40B4-BE49-F238E27FC236}">
+                <a16:creationId xmlns:a16="http://schemas.microsoft.com/office/drawing/2014/main" id="{98B371DD-7ED3-4D23-8396-33C2D25B1649}"/>
+              </a:ext>
+            </a:extLst>
+          </p:cNvPr>
+          <p:cNvPicPr>
+            <a:picLocks noChangeAspect="1"/>
+          </p:cNvPicPr>
+          <p:nvPr/>
+        </p:nvPicPr>
+        <p:blipFill>
+          <a:blip r:embed="rId2">
+            <a:extLst>
+              <a:ext uri="{28A0092B-C50C-407E-A947-70E740481C1C}">
+                <a14:useLocalDpi xmlns:a14="http://schemas.microsoft.com/office/drawing/2010/main" val="0"/>
+              </a:ext>
+            </a:extLst>
+          </a:blip>
+          <a:stretch>
+            <a:fillRect/>
+          </a:stretch>
+        </p:blipFill>
+        <p:spPr>
+          <a:xfrm>
+            <a:off x="4095750" y="2739390"/>
+            <a:ext cx="4000500" cy="1379220"/>
+          </a:xfrm>
+          <a:prstGeom prst="rect">
+            <a:avLst/>
+          </a:prstGeom>
+        </p:spPr>
+      </p:pic>
+      <p:sp>
+        <p:nvSpPr>
+          <p:cNvPr id="4" name="TextBox 3">
+            <a:extLst>
+              <a:ext uri="{FF2B5EF4-FFF2-40B4-BE49-F238E27FC236}">
+                <a16:creationId xmlns:a16="http://schemas.microsoft.com/office/drawing/2014/main" id="{D3437B9D-A2AB-405E-ACF9-2C7A75FF4003}"/>
+              </a:ext>
+            </a:extLst>
+          </p:cNvPr>
+          <p:cNvSpPr txBox="1"/>
+          <p:nvPr/>
+        </p:nvSpPr>
+        <p:spPr>
+          <a:xfrm>
+            <a:off x="2006080" y="2052776"/>
+            <a:ext cx="8546841" cy="369332"/>
+          </a:xfrm>
+          <a:prstGeom prst="rect">
+            <a:avLst/>
+          </a:prstGeom>
+          <a:noFill/>
+        </p:spPr>
+        <p:txBody>
+          <a:bodyPr wrap="square" rtlCol="0">
+            <a:spAutoFit/>
+          </a:bodyPr>
+          <a:lstStyle/>
+          <a:p>
+            <a:r>
+              <a:rPr lang="en-IN" dirty="0">
+                <a:solidFill>
+                  <a:schemeClr val="bg1">
+                    <a:lumMod val="95000"/>
+                    <a:lumOff val="5000"/>
+                  </a:schemeClr>
+                </a:solidFill>
+                <a:latin typeface="Arial" panose="020B0604020202020204" pitchFamily="34" charset="0"/>
+                <a:cs typeface="Arial" panose="020B0604020202020204" pitchFamily="34" charset="0"/>
+              </a:rPr>
+              <a:t>Use </a:t>
+            </a:r>
+            <a:r>
+              <a:rPr lang="en-IN" dirty="0" err="1">
+                <a:solidFill>
+                  <a:schemeClr val="bg1">
+                    <a:lumMod val="95000"/>
+                    <a:lumOff val="5000"/>
+                  </a:schemeClr>
+                </a:solidFill>
+                <a:latin typeface="Arial" panose="020B0604020202020204" pitchFamily="34" charset="0"/>
+                <a:cs typeface="Arial" panose="020B0604020202020204" pitchFamily="34" charset="0"/>
+              </a:rPr>
+              <a:t>Nack</a:t>
+            </a:r>
+            <a:r>
+              <a:rPr lang="en-IN" dirty="0">
+                <a:solidFill>
+                  <a:schemeClr val="bg1">
+                    <a:lumMod val="95000"/>
+                    <a:lumOff val="5000"/>
+                  </a:schemeClr>
+                </a:solidFill>
+                <a:latin typeface="Arial" panose="020B0604020202020204" pitchFamily="34" charset="0"/>
+                <a:cs typeface="Arial" panose="020B0604020202020204" pitchFamily="34" charset="0"/>
+              </a:rPr>
+              <a:t> message requeue true to read messages without deleting from queue</a:t>
+            </a:r>
+          </a:p>
+        </p:txBody>
+      </p:sp>
+    </p:spTree>
+    <p:extLst>
+      <p:ext uri="{BB962C8B-B14F-4D97-AF65-F5344CB8AC3E}">
+        <p14:creationId xmlns:p14="http://schemas.microsoft.com/office/powerpoint/2010/main" val="3277021488"/>
+      </p:ext>
+    </p:extLst>
+  </p:cSld>
+  <p:clrMapOvr>
+    <a:masterClrMapping/>
+  </p:clrMapOvr>
+</p:sld>
+</file>
+
 <file path=ppt/theme/theme1.xml><?xml version="1.0" encoding="utf-8"?>
 <a:theme xmlns:a="http://schemas.openxmlformats.org/drawingml/2006/main" name="Circuit">
   <a:themeElements>

--- a/Presentations/RabbitMQ.pptx
+++ b/Presentations/RabbitMQ.pptx
@@ -16,6 +16,13 @@
     <p:sldId id="262" r:id="rId10"/>
     <p:sldId id="263" r:id="rId11"/>
     <p:sldId id="264" r:id="rId12"/>
+    <p:sldId id="267" r:id="rId13"/>
+    <p:sldId id="272" r:id="rId14"/>
+    <p:sldId id="268" r:id="rId15"/>
+    <p:sldId id="269" r:id="rId16"/>
+    <p:sldId id="270" r:id="rId17"/>
+    <p:sldId id="271" r:id="rId18"/>
+    <p:sldId id="273" r:id="rId19"/>
   </p:sldIdLst>
   <p:sldSz cx="12192000" cy="6858000"/>
   <p:notesSz cx="6858000" cy="9144000"/>
@@ -348,7 +355,7 @@
           <a:p>
             <a:fld id="{0537C2BD-45CD-4577-A9F5-5285FBF90A6D}" type="datetimeFigureOut">
               <a:rPr lang="en-IN" smtClean="0"/>
-              <a:t>03-08-2022</a:t>
+              <a:t>04-08-2022</a:t>
             </a:fld>
             <a:endParaRPr lang="en-IN"/>
           </a:p>
@@ -556,7 +563,7 @@
           <a:p>
             <a:fld id="{0537C2BD-45CD-4577-A9F5-5285FBF90A6D}" type="datetimeFigureOut">
               <a:rPr lang="en-IN" smtClean="0"/>
-              <a:t>03-08-2022</a:t>
+              <a:t>04-08-2022</a:t>
             </a:fld>
             <a:endParaRPr lang="en-IN"/>
           </a:p>
@@ -812,7 +819,7 @@
           <a:p>
             <a:fld id="{0537C2BD-45CD-4577-A9F5-5285FBF90A6D}" type="datetimeFigureOut">
               <a:rPr lang="en-IN" smtClean="0"/>
-              <a:t>03-08-2022</a:t>
+              <a:t>04-08-2022</a:t>
             </a:fld>
             <a:endParaRPr lang="en-IN"/>
           </a:p>
@@ -986,7 +993,7 @@
           <a:p>
             <a:fld id="{0537C2BD-45CD-4577-A9F5-5285FBF90A6D}" type="datetimeFigureOut">
               <a:rPr lang="en-IN" smtClean="0"/>
-              <a:t>03-08-2022</a:t>
+              <a:t>04-08-2022</a:t>
             </a:fld>
             <a:endParaRPr lang="en-IN"/>
           </a:p>
@@ -1329,7 +1336,7 @@
           <a:p>
             <a:fld id="{0537C2BD-45CD-4577-A9F5-5285FBF90A6D}" type="datetimeFigureOut">
               <a:rPr lang="en-IN" smtClean="0"/>
-              <a:t>03-08-2022</a:t>
+              <a:t>04-08-2022</a:t>
             </a:fld>
             <a:endParaRPr lang="en-IN"/>
           </a:p>
@@ -1604,7 +1611,7 @@
           <a:p>
             <a:fld id="{0537C2BD-45CD-4577-A9F5-5285FBF90A6D}" type="datetimeFigureOut">
               <a:rPr lang="en-IN" smtClean="0"/>
-              <a:t>03-08-2022</a:t>
+              <a:t>04-08-2022</a:t>
             </a:fld>
             <a:endParaRPr lang="en-IN"/>
           </a:p>
@@ -1983,7 +1990,7 @@
           <a:p>
             <a:fld id="{0537C2BD-45CD-4577-A9F5-5285FBF90A6D}" type="datetimeFigureOut">
               <a:rPr lang="en-IN" smtClean="0"/>
-              <a:t>03-08-2022</a:t>
+              <a:t>04-08-2022</a:t>
             </a:fld>
             <a:endParaRPr lang="en-IN"/>
           </a:p>
@@ -2101,7 +2108,7 @@
           <a:p>
             <a:fld id="{0537C2BD-45CD-4577-A9F5-5285FBF90A6D}" type="datetimeFigureOut">
               <a:rPr lang="en-IN" smtClean="0"/>
-              <a:t>03-08-2022</a:t>
+              <a:t>04-08-2022</a:t>
             </a:fld>
             <a:endParaRPr lang="en-IN"/>
           </a:p>
@@ -2272,7 +2279,7 @@
           <a:p>
             <a:fld id="{0537C2BD-45CD-4577-A9F5-5285FBF90A6D}" type="datetimeFigureOut">
               <a:rPr lang="en-IN" smtClean="0"/>
-              <a:t>03-08-2022</a:t>
+              <a:t>04-08-2022</a:t>
             </a:fld>
             <a:endParaRPr lang="en-IN"/>
           </a:p>
@@ -2626,7 +2633,7 @@
           <a:p>
             <a:fld id="{0537C2BD-45CD-4577-A9F5-5285FBF90A6D}" type="datetimeFigureOut">
               <a:rPr lang="en-IN" smtClean="0"/>
-              <a:t>03-08-2022</a:t>
+              <a:t>04-08-2022</a:t>
             </a:fld>
             <a:endParaRPr lang="en-IN"/>
           </a:p>
@@ -3008,7 +3015,7 @@
           <a:p>
             <a:fld id="{0537C2BD-45CD-4577-A9F5-5285FBF90A6D}" type="datetimeFigureOut">
               <a:rPr lang="en-IN" smtClean="0"/>
-              <a:t>03-08-2022</a:t>
+              <a:t>04-08-2022</a:t>
             </a:fld>
             <a:endParaRPr lang="en-IN"/>
           </a:p>
@@ -3295,7 +3302,7 @@
           <a:p>
             <a:fld id="{0537C2BD-45CD-4577-A9F5-5285FBF90A6D}" type="datetimeFigureOut">
               <a:rPr lang="en-IN" smtClean="0"/>
-              <a:t>03-08-2022</a:t>
+              <a:t>04-08-2022</a:t>
             </a:fld>
             <a:endParaRPr lang="en-IN"/>
           </a:p>
@@ -4083,6 +4090,1521 @@
 </p:sld>
 </file>
 
+<file path=ppt/slides/slide12.xml><?xml version="1.0" encoding="utf-8"?>
+<p:sld xmlns:a="http://schemas.openxmlformats.org/drawingml/2006/main" xmlns:r="http://schemas.openxmlformats.org/officeDocument/2006/relationships" xmlns:p="http://schemas.openxmlformats.org/presentationml/2006/main">
+  <p:cSld>
+    <p:spTree>
+      <p:nvGrpSpPr>
+        <p:cNvPr id="1" name=""/>
+        <p:cNvGrpSpPr/>
+        <p:nvPr/>
+      </p:nvGrpSpPr>
+      <p:grpSpPr>
+        <a:xfrm>
+          <a:off x="0" y="0"/>
+          <a:ext cx="0" cy="0"/>
+          <a:chOff x="0" y="0"/>
+          <a:chExt cx="0" cy="0"/>
+        </a:xfrm>
+      </p:grpSpPr>
+      <p:sp>
+        <p:nvSpPr>
+          <p:cNvPr id="2" name="TextBox 1">
+            <a:extLst>
+              <a:ext uri="{FF2B5EF4-FFF2-40B4-BE49-F238E27FC236}">
+                <a16:creationId xmlns:a16="http://schemas.microsoft.com/office/drawing/2014/main" id="{E290AC9A-5A6C-472A-959F-A090A93A9E1E}"/>
+              </a:ext>
+            </a:extLst>
+          </p:cNvPr>
+          <p:cNvSpPr txBox="1"/>
+          <p:nvPr/>
+        </p:nvSpPr>
+        <p:spPr>
+          <a:xfrm>
+            <a:off x="223935" y="223935"/>
+            <a:ext cx="11744130" cy="4247317"/>
+          </a:xfrm>
+          <a:prstGeom prst="rect">
+            <a:avLst/>
+          </a:prstGeom>
+          <a:noFill/>
+        </p:spPr>
+        <p:txBody>
+          <a:bodyPr wrap="square" rtlCol="0">
+            <a:spAutoFit/>
+          </a:bodyPr>
+          <a:lstStyle/>
+          <a:p>
+            <a:r>
+              <a:rPr lang="en-US" b="1" i="0" dirty="0">
+                <a:effectLst/>
+                <a:latin typeface="Lato" panose="020F0502020204030203" pitchFamily="34" charset="0"/>
+              </a:rPr>
+              <a:t>Topic Exchange in AMQP – RabbitMQ</a:t>
+            </a:r>
+          </a:p>
+          <a:p>
+            <a:endParaRPr lang="en-US" b="1" dirty="0">
+              <a:latin typeface="Lato" panose="020F0502020204030203" pitchFamily="34" charset="0"/>
+            </a:endParaRPr>
+          </a:p>
+          <a:p>
+            <a:pPr algn="l"/>
+            <a:r>
+              <a:rPr lang="en-US" b="1" i="0" dirty="0">
+                <a:effectLst/>
+                <a:latin typeface="Lato" panose="020F0502020204030203" pitchFamily="34" charset="0"/>
+              </a:rPr>
+              <a:t>The flow of a message in Topic Exchange</a:t>
+            </a:r>
+          </a:p>
+          <a:p>
+            <a:pPr algn="l">
+              <a:buFont typeface="Arial" panose="020B0604020202020204" pitchFamily="34" charset="0"/>
+              <a:buChar char="•"/>
+            </a:pPr>
+            <a:r>
+              <a:rPr lang="en-US" b="0" i="0" dirty="0">
+                <a:solidFill>
+                  <a:srgbClr val="404040"/>
+                </a:solidFill>
+                <a:effectLst/>
+                <a:latin typeface="Lato" panose="020F0502020204030203" pitchFamily="34" charset="0"/>
+              </a:rPr>
+              <a:t>A message Queue binds to an Exchange with a routing key pattern .</a:t>
+            </a:r>
+          </a:p>
+          <a:p>
+            <a:pPr algn="l">
+              <a:buFont typeface="Arial" panose="020B0604020202020204" pitchFamily="34" charset="0"/>
+              <a:buChar char="•"/>
+            </a:pPr>
+            <a:r>
+              <a:rPr lang="en-US" b="0" i="0" dirty="0">
+                <a:solidFill>
+                  <a:srgbClr val="404040"/>
+                </a:solidFill>
+                <a:effectLst/>
+                <a:latin typeface="Lato" panose="020F0502020204030203" pitchFamily="34" charset="0"/>
+              </a:rPr>
+              <a:t>A publisher sends a message with a routing key  to the Topic Exchange.</a:t>
+            </a:r>
+          </a:p>
+          <a:p>
+            <a:pPr algn="l">
+              <a:buFont typeface="Arial" panose="020B0604020202020204" pitchFamily="34" charset="0"/>
+              <a:buChar char="•"/>
+            </a:pPr>
+            <a:r>
+              <a:rPr lang="en-US" b="0" i="0" dirty="0">
+                <a:solidFill>
+                  <a:srgbClr val="404040"/>
+                </a:solidFill>
+                <a:effectLst/>
+                <a:latin typeface="Lato" panose="020F0502020204030203" pitchFamily="34" charset="0"/>
+              </a:rPr>
+              <a:t>The message is passed to the Queue if P matches with K. The routing key matching is decided as discussed below.</a:t>
+            </a:r>
+          </a:p>
+          <a:p>
+            <a:pPr algn="l">
+              <a:buFont typeface="Arial" panose="020B0604020202020204" pitchFamily="34" charset="0"/>
+              <a:buChar char="•"/>
+            </a:pPr>
+            <a:r>
+              <a:rPr lang="en-US" b="0" i="0" dirty="0">
+                <a:solidFill>
+                  <a:srgbClr val="404040"/>
+                </a:solidFill>
+                <a:effectLst/>
+                <a:latin typeface="Lato" panose="020F0502020204030203" pitchFamily="34" charset="0"/>
+              </a:rPr>
+              <a:t>The consumer subscribing the Queue receives the message.</a:t>
+            </a:r>
+          </a:p>
+          <a:p>
+            <a:endParaRPr lang="en-US" b="1" i="0" dirty="0">
+              <a:effectLst/>
+              <a:latin typeface="Lato" panose="020F0502020204030203" pitchFamily="34" charset="0"/>
+            </a:endParaRPr>
+          </a:p>
+          <a:p>
+            <a:endParaRPr lang="en-US" b="1" dirty="0">
+              <a:latin typeface="Lato" panose="020F0502020204030203" pitchFamily="34" charset="0"/>
+            </a:endParaRPr>
+          </a:p>
+          <a:p>
+            <a:pPr algn="l"/>
+            <a:r>
+              <a:rPr lang="en-US" b="1" i="0" dirty="0">
+                <a:effectLst/>
+                <a:latin typeface="Lato" panose="020F0502020204030203" pitchFamily="34" charset="0"/>
+              </a:rPr>
+              <a:t>Routing pattern matching examples</a:t>
+            </a:r>
+          </a:p>
+          <a:p>
+            <a:pPr algn="l">
+              <a:buFont typeface="Arial" panose="020B0604020202020204" pitchFamily="34" charset="0"/>
+              <a:buChar char="•"/>
+            </a:pPr>
+            <a:r>
+              <a:rPr lang="en-US" b="1" i="0" dirty="0">
+                <a:solidFill>
+                  <a:srgbClr val="404040"/>
+                </a:solidFill>
+                <a:effectLst/>
+                <a:latin typeface="Lato" panose="020F0502020204030203" pitchFamily="34" charset="0"/>
+              </a:rPr>
+              <a:t>Routing Key Pattern </a:t>
+            </a:r>
+            <a:r>
+              <a:rPr lang="en-US" b="0" i="0" dirty="0">
+                <a:solidFill>
+                  <a:srgbClr val="404040"/>
+                </a:solidFill>
+                <a:effectLst/>
+                <a:latin typeface="Lato" panose="020F0502020204030203" pitchFamily="34" charset="0"/>
+              </a:rPr>
+              <a:t>– It is the routing key pattern that binds a specific Queue with an Exchange.</a:t>
+            </a:r>
+          </a:p>
+          <a:p>
+            <a:pPr algn="l">
+              <a:buFont typeface="Arial" panose="020B0604020202020204" pitchFamily="34" charset="0"/>
+              <a:buChar char="•"/>
+            </a:pPr>
+            <a:r>
+              <a:rPr lang="en-US" b="1" i="0" dirty="0">
+                <a:solidFill>
+                  <a:srgbClr val="404040"/>
+                </a:solidFill>
+                <a:effectLst/>
+                <a:latin typeface="Lato" panose="020F0502020204030203" pitchFamily="34" charset="0"/>
+              </a:rPr>
+              <a:t>Valid Routing Key – </a:t>
+            </a:r>
+            <a:r>
+              <a:rPr lang="en-US" b="0" i="0" dirty="0">
+                <a:solidFill>
+                  <a:srgbClr val="404040"/>
+                </a:solidFill>
+                <a:effectLst/>
+                <a:latin typeface="Lato" panose="020F0502020204030203" pitchFamily="34" charset="0"/>
+              </a:rPr>
+              <a:t>The message with this key reaches the linked Queue.</a:t>
+            </a:r>
+          </a:p>
+          <a:p>
+            <a:pPr algn="l">
+              <a:buFont typeface="Arial" panose="020B0604020202020204" pitchFamily="34" charset="0"/>
+              <a:buChar char="•"/>
+            </a:pPr>
+            <a:r>
+              <a:rPr lang="en-US" b="1" i="0" dirty="0">
+                <a:solidFill>
+                  <a:srgbClr val="404040"/>
+                </a:solidFill>
+                <a:effectLst/>
+                <a:latin typeface="Lato" panose="020F0502020204030203" pitchFamily="34" charset="0"/>
+              </a:rPr>
+              <a:t>Invalid Routing Key</a:t>
+            </a:r>
+            <a:r>
+              <a:rPr lang="en-US" b="0" i="0" dirty="0">
+                <a:solidFill>
+                  <a:srgbClr val="404040"/>
+                </a:solidFill>
+                <a:effectLst/>
+                <a:latin typeface="Lato" panose="020F0502020204030203" pitchFamily="34" charset="0"/>
+              </a:rPr>
+              <a:t> – The message with this key does not reach the Queue.</a:t>
+            </a:r>
+          </a:p>
+          <a:p>
+            <a:endParaRPr lang="en-US" b="1" i="0" dirty="0">
+              <a:effectLst/>
+              <a:latin typeface="Lato" panose="020F0502020204030203" pitchFamily="34" charset="0"/>
+            </a:endParaRPr>
+          </a:p>
+          <a:p>
+            <a:endParaRPr lang="en-IN" dirty="0"/>
+          </a:p>
+        </p:txBody>
+      </p:sp>
+      <p:pic>
+        <p:nvPicPr>
+          <p:cNvPr id="4" name="Picture 3">
+            <a:extLst>
+              <a:ext uri="{FF2B5EF4-FFF2-40B4-BE49-F238E27FC236}">
+                <a16:creationId xmlns:a16="http://schemas.microsoft.com/office/drawing/2014/main" id="{CDFA8DFE-39EF-49B2-94F2-DCFCF414ABEC}"/>
+              </a:ext>
+            </a:extLst>
+          </p:cNvPr>
+          <p:cNvPicPr>
+            <a:picLocks noChangeAspect="1"/>
+          </p:cNvPicPr>
+          <p:nvPr/>
+        </p:nvPicPr>
+        <p:blipFill>
+          <a:blip r:embed="rId2">
+            <a:extLst>
+              <a:ext uri="{28A0092B-C50C-407E-A947-70E740481C1C}">
+                <a14:useLocalDpi xmlns:a14="http://schemas.microsoft.com/office/drawing/2010/main" val="0"/>
+              </a:ext>
+            </a:extLst>
+          </a:blip>
+          <a:stretch>
+            <a:fillRect/>
+          </a:stretch>
+        </p:blipFill>
+        <p:spPr>
+          <a:xfrm>
+            <a:off x="3748962" y="4284151"/>
+            <a:ext cx="5067300" cy="1051560"/>
+          </a:xfrm>
+          <a:prstGeom prst="rect">
+            <a:avLst/>
+          </a:prstGeom>
+        </p:spPr>
+      </p:pic>
+    </p:spTree>
+    <p:extLst>
+      <p:ext uri="{BB962C8B-B14F-4D97-AF65-F5344CB8AC3E}">
+        <p14:creationId xmlns:p14="http://schemas.microsoft.com/office/powerpoint/2010/main" val="590961571"/>
+      </p:ext>
+    </p:extLst>
+  </p:cSld>
+  <p:clrMapOvr>
+    <a:masterClrMapping/>
+  </p:clrMapOvr>
+</p:sld>
+</file>
+
+<file path=ppt/slides/slide13.xml><?xml version="1.0" encoding="utf-8"?>
+<p:sld xmlns:a="http://schemas.openxmlformats.org/drawingml/2006/main" xmlns:r="http://schemas.openxmlformats.org/officeDocument/2006/relationships" xmlns:p="http://schemas.openxmlformats.org/presentationml/2006/main">
+  <p:cSld>
+    <p:spTree>
+      <p:nvGrpSpPr>
+        <p:cNvPr id="1" name=""/>
+        <p:cNvGrpSpPr/>
+        <p:nvPr/>
+      </p:nvGrpSpPr>
+      <p:grpSpPr>
+        <a:xfrm>
+          <a:off x="0" y="0"/>
+          <a:ext cx="0" cy="0"/>
+          <a:chOff x="0" y="0"/>
+          <a:chExt cx="0" cy="0"/>
+        </a:xfrm>
+      </p:grpSpPr>
+      <p:pic>
+        <p:nvPicPr>
+          <p:cNvPr id="3" name="Picture 2">
+            <a:extLst>
+              <a:ext uri="{FF2B5EF4-FFF2-40B4-BE49-F238E27FC236}">
+                <a16:creationId xmlns:a16="http://schemas.microsoft.com/office/drawing/2014/main" id="{403E9199-5C8C-4BF0-AD6B-3EFEDB18BE75}"/>
+              </a:ext>
+            </a:extLst>
+          </p:cNvPr>
+          <p:cNvPicPr>
+            <a:picLocks noChangeAspect="1"/>
+          </p:cNvPicPr>
+          <p:nvPr/>
+        </p:nvPicPr>
+        <p:blipFill>
+          <a:blip r:embed="rId2">
+            <a:extLst>
+              <a:ext uri="{28A0092B-C50C-407E-A947-70E740481C1C}">
+                <a14:useLocalDpi xmlns:a14="http://schemas.microsoft.com/office/drawing/2010/main" val="0"/>
+              </a:ext>
+            </a:extLst>
+          </a:blip>
+          <a:stretch>
+            <a:fillRect/>
+          </a:stretch>
+        </p:blipFill>
+        <p:spPr>
+          <a:xfrm>
+            <a:off x="1800264" y="1238017"/>
+            <a:ext cx="8404860" cy="3672840"/>
+          </a:xfrm>
+          <a:prstGeom prst="rect">
+            <a:avLst/>
+          </a:prstGeom>
+        </p:spPr>
+      </p:pic>
+    </p:spTree>
+    <p:extLst>
+      <p:ext uri="{BB962C8B-B14F-4D97-AF65-F5344CB8AC3E}">
+        <p14:creationId xmlns:p14="http://schemas.microsoft.com/office/powerpoint/2010/main" val="1574858461"/>
+      </p:ext>
+    </p:extLst>
+  </p:cSld>
+  <p:clrMapOvr>
+    <a:masterClrMapping/>
+  </p:clrMapOvr>
+</p:sld>
+</file>
+
+<file path=ppt/slides/slide14.xml><?xml version="1.0" encoding="utf-8"?>
+<p:sld xmlns:a="http://schemas.openxmlformats.org/drawingml/2006/main" xmlns:r="http://schemas.openxmlformats.org/officeDocument/2006/relationships" xmlns:p="http://schemas.openxmlformats.org/presentationml/2006/main">
+  <p:cSld>
+    <p:spTree>
+      <p:nvGrpSpPr>
+        <p:cNvPr id="1" name=""/>
+        <p:cNvGrpSpPr/>
+        <p:nvPr/>
+      </p:nvGrpSpPr>
+      <p:grpSpPr>
+        <a:xfrm>
+          <a:off x="0" y="0"/>
+          <a:ext cx="0" cy="0"/>
+          <a:chOff x="0" y="0"/>
+          <a:chExt cx="0" cy="0"/>
+        </a:xfrm>
+      </p:grpSpPr>
+      <p:sp>
+        <p:nvSpPr>
+          <p:cNvPr id="2" name="TextBox 1">
+            <a:extLst>
+              <a:ext uri="{FF2B5EF4-FFF2-40B4-BE49-F238E27FC236}">
+                <a16:creationId xmlns:a16="http://schemas.microsoft.com/office/drawing/2014/main" id="{AB67A8F6-7C7E-46C7-95B4-1704AD7CFC73}"/>
+              </a:ext>
+            </a:extLst>
+          </p:cNvPr>
+          <p:cNvSpPr txBox="1"/>
+          <p:nvPr/>
+        </p:nvSpPr>
+        <p:spPr>
+          <a:xfrm>
+            <a:off x="3498980" y="100117"/>
+            <a:ext cx="5760098" cy="646331"/>
+          </a:xfrm>
+          <a:prstGeom prst="rect">
+            <a:avLst/>
+          </a:prstGeom>
+          <a:noFill/>
+        </p:spPr>
+        <p:txBody>
+          <a:bodyPr wrap="square" rtlCol="0">
+            <a:spAutoFit/>
+          </a:bodyPr>
+          <a:lstStyle/>
+          <a:p>
+            <a:r>
+              <a:rPr lang="en-IN" b="1" i="0" dirty="0">
+                <a:solidFill>
+                  <a:srgbClr val="FF0000"/>
+                </a:solidFill>
+                <a:effectLst/>
+                <a:latin typeface="Lato" panose="020F0502020204030203" pitchFamily="34" charset="0"/>
+              </a:rPr>
+              <a:t>Implementation of Topic Exchange</a:t>
+            </a:r>
+          </a:p>
+          <a:p>
+            <a:endParaRPr lang="en-IN" dirty="0">
+              <a:solidFill>
+                <a:srgbClr val="FF0000"/>
+              </a:solidFill>
+            </a:endParaRPr>
+          </a:p>
+        </p:txBody>
+      </p:sp>
+      <p:pic>
+        <p:nvPicPr>
+          <p:cNvPr id="4" name="Picture 3">
+            <a:extLst>
+              <a:ext uri="{FF2B5EF4-FFF2-40B4-BE49-F238E27FC236}">
+                <a16:creationId xmlns:a16="http://schemas.microsoft.com/office/drawing/2014/main" id="{AF22F929-B334-44C4-B622-BAA11D930D51}"/>
+              </a:ext>
+            </a:extLst>
+          </p:cNvPr>
+          <p:cNvPicPr>
+            <a:picLocks noChangeAspect="1"/>
+          </p:cNvPicPr>
+          <p:nvPr/>
+        </p:nvPicPr>
+        <p:blipFill>
+          <a:blip r:embed="rId2">
+            <a:extLst>
+              <a:ext uri="{28A0092B-C50C-407E-A947-70E740481C1C}">
+                <a14:useLocalDpi xmlns:a14="http://schemas.microsoft.com/office/drawing/2010/main" val="0"/>
+              </a:ext>
+            </a:extLst>
+          </a:blip>
+          <a:stretch>
+            <a:fillRect/>
+          </a:stretch>
+        </p:blipFill>
+        <p:spPr>
+          <a:xfrm>
+            <a:off x="149290" y="587827"/>
+            <a:ext cx="6839339" cy="5517036"/>
+          </a:xfrm>
+          <a:prstGeom prst="rect">
+            <a:avLst/>
+          </a:prstGeom>
+        </p:spPr>
+      </p:pic>
+    </p:spTree>
+    <p:extLst>
+      <p:ext uri="{BB962C8B-B14F-4D97-AF65-F5344CB8AC3E}">
+        <p14:creationId xmlns:p14="http://schemas.microsoft.com/office/powerpoint/2010/main" val="3104309442"/>
+      </p:ext>
+    </p:extLst>
+  </p:cSld>
+  <p:clrMapOvr>
+    <a:masterClrMapping/>
+  </p:clrMapOvr>
+</p:sld>
+</file>
+
+<file path=ppt/slides/slide15.xml><?xml version="1.0" encoding="utf-8"?>
+<p:sld xmlns:a="http://schemas.openxmlformats.org/drawingml/2006/main" xmlns:r="http://schemas.openxmlformats.org/officeDocument/2006/relationships" xmlns:p="http://schemas.openxmlformats.org/presentationml/2006/main">
+  <p:cSld>
+    <p:spTree>
+      <p:nvGrpSpPr>
+        <p:cNvPr id="1" name=""/>
+        <p:cNvGrpSpPr/>
+        <p:nvPr/>
+      </p:nvGrpSpPr>
+      <p:grpSpPr>
+        <a:xfrm>
+          <a:off x="0" y="0"/>
+          <a:ext cx="0" cy="0"/>
+          <a:chOff x="0" y="0"/>
+          <a:chExt cx="0" cy="0"/>
+        </a:xfrm>
+      </p:grpSpPr>
+      <p:pic>
+        <p:nvPicPr>
+          <p:cNvPr id="3" name="Picture 2">
+            <a:extLst>
+              <a:ext uri="{FF2B5EF4-FFF2-40B4-BE49-F238E27FC236}">
+                <a16:creationId xmlns:a16="http://schemas.microsoft.com/office/drawing/2014/main" id="{1AC001E9-EA76-407D-9DE1-7326D3C7093C}"/>
+              </a:ext>
+            </a:extLst>
+          </p:cNvPr>
+          <p:cNvPicPr>
+            <a:picLocks noChangeAspect="1"/>
+          </p:cNvPicPr>
+          <p:nvPr/>
+        </p:nvPicPr>
+        <p:blipFill>
+          <a:blip r:embed="rId2">
+            <a:extLst>
+              <a:ext uri="{28A0092B-C50C-407E-A947-70E740481C1C}">
+                <a14:useLocalDpi xmlns:a14="http://schemas.microsoft.com/office/drawing/2010/main" val="0"/>
+              </a:ext>
+            </a:extLst>
+          </a:blip>
+          <a:stretch>
+            <a:fillRect/>
+          </a:stretch>
+        </p:blipFill>
+        <p:spPr>
+          <a:xfrm>
+            <a:off x="329291" y="231010"/>
+            <a:ext cx="9402537" cy="4583586"/>
+          </a:xfrm>
+          <a:prstGeom prst="rect">
+            <a:avLst/>
+          </a:prstGeom>
+        </p:spPr>
+      </p:pic>
+    </p:spTree>
+    <p:extLst>
+      <p:ext uri="{BB962C8B-B14F-4D97-AF65-F5344CB8AC3E}">
+        <p14:creationId xmlns:p14="http://schemas.microsoft.com/office/powerpoint/2010/main" val="1850367667"/>
+      </p:ext>
+    </p:extLst>
+  </p:cSld>
+  <p:clrMapOvr>
+    <a:masterClrMapping/>
+  </p:clrMapOvr>
+</p:sld>
+</file>
+
+<file path=ppt/slides/slide16.xml><?xml version="1.0" encoding="utf-8"?>
+<p:sld xmlns:a="http://schemas.openxmlformats.org/drawingml/2006/main" xmlns:r="http://schemas.openxmlformats.org/officeDocument/2006/relationships" xmlns:p="http://schemas.openxmlformats.org/presentationml/2006/main">
+  <p:cSld>
+    <p:spTree>
+      <p:nvGrpSpPr>
+        <p:cNvPr id="1" name=""/>
+        <p:cNvGrpSpPr/>
+        <p:nvPr/>
+      </p:nvGrpSpPr>
+      <p:grpSpPr>
+        <a:xfrm>
+          <a:off x="0" y="0"/>
+          <a:ext cx="0" cy="0"/>
+          <a:chOff x="0" y="0"/>
+          <a:chExt cx="0" cy="0"/>
+        </a:xfrm>
+      </p:grpSpPr>
+      <p:pic>
+        <p:nvPicPr>
+          <p:cNvPr id="3" name="Picture 2">
+            <a:extLst>
+              <a:ext uri="{FF2B5EF4-FFF2-40B4-BE49-F238E27FC236}">
+                <a16:creationId xmlns:a16="http://schemas.microsoft.com/office/drawing/2014/main" id="{7A8C157C-16BC-4A2E-8058-545EC21FB112}"/>
+              </a:ext>
+            </a:extLst>
+          </p:cNvPr>
+          <p:cNvPicPr>
+            <a:picLocks noChangeAspect="1"/>
+          </p:cNvPicPr>
+          <p:nvPr/>
+        </p:nvPicPr>
+        <p:blipFill>
+          <a:blip r:embed="rId2">
+            <a:extLst>
+              <a:ext uri="{28A0092B-C50C-407E-A947-70E740481C1C}">
+                <a14:useLocalDpi xmlns:a14="http://schemas.microsoft.com/office/drawing/2010/main" val="0"/>
+              </a:ext>
+            </a:extLst>
+          </a:blip>
+          <a:stretch>
+            <a:fillRect/>
+          </a:stretch>
+        </p:blipFill>
+        <p:spPr>
+          <a:xfrm>
+            <a:off x="1352628" y="571266"/>
+            <a:ext cx="9113520" cy="5006340"/>
+          </a:xfrm>
+          <a:prstGeom prst="rect">
+            <a:avLst/>
+          </a:prstGeom>
+        </p:spPr>
+      </p:pic>
+      <p:sp>
+        <p:nvSpPr>
+          <p:cNvPr id="4" name="TextBox 3">
+            <a:extLst>
+              <a:ext uri="{FF2B5EF4-FFF2-40B4-BE49-F238E27FC236}">
+                <a16:creationId xmlns:a16="http://schemas.microsoft.com/office/drawing/2014/main" id="{8E774E96-A035-4A11-8618-1E191681DBD2}"/>
+              </a:ext>
+            </a:extLst>
+          </p:cNvPr>
+          <p:cNvSpPr txBox="1"/>
+          <p:nvPr/>
+        </p:nvSpPr>
+        <p:spPr>
+          <a:xfrm>
+            <a:off x="363893" y="85922"/>
+            <a:ext cx="4562669" cy="369332"/>
+          </a:xfrm>
+          <a:prstGeom prst="rect">
+            <a:avLst/>
+          </a:prstGeom>
+          <a:noFill/>
+        </p:spPr>
+        <p:txBody>
+          <a:bodyPr wrap="square" rtlCol="0">
+            <a:spAutoFit/>
+          </a:bodyPr>
+          <a:lstStyle/>
+          <a:p>
+            <a:r>
+              <a:rPr lang="en-IN" dirty="0"/>
+              <a:t>Configuring template:</a:t>
+            </a:r>
+          </a:p>
+        </p:txBody>
+      </p:sp>
+    </p:spTree>
+    <p:extLst>
+      <p:ext uri="{BB962C8B-B14F-4D97-AF65-F5344CB8AC3E}">
+        <p14:creationId xmlns:p14="http://schemas.microsoft.com/office/powerpoint/2010/main" val="2315544803"/>
+      </p:ext>
+    </p:extLst>
+  </p:cSld>
+  <p:clrMapOvr>
+    <a:masterClrMapping/>
+  </p:clrMapOvr>
+</p:sld>
+</file>
+
+<file path=ppt/slides/slide17.xml><?xml version="1.0" encoding="utf-8"?>
+<p:sld xmlns:a="http://schemas.openxmlformats.org/drawingml/2006/main" xmlns:r="http://schemas.openxmlformats.org/officeDocument/2006/relationships" xmlns:p="http://schemas.openxmlformats.org/presentationml/2006/main">
+  <p:cSld>
+    <p:spTree>
+      <p:nvGrpSpPr>
+        <p:cNvPr id="1" name=""/>
+        <p:cNvGrpSpPr/>
+        <p:nvPr/>
+      </p:nvGrpSpPr>
+      <p:grpSpPr>
+        <a:xfrm>
+          <a:off x="0" y="0"/>
+          <a:ext cx="0" cy="0"/>
+          <a:chOff x="0" y="0"/>
+          <a:chExt cx="0" cy="0"/>
+        </a:xfrm>
+      </p:grpSpPr>
+      <p:pic>
+        <p:nvPicPr>
+          <p:cNvPr id="3" name="Picture 2">
+            <a:extLst>
+              <a:ext uri="{FF2B5EF4-FFF2-40B4-BE49-F238E27FC236}">
+                <a16:creationId xmlns:a16="http://schemas.microsoft.com/office/drawing/2014/main" id="{B371D442-576F-488E-B8FE-97C804960536}"/>
+              </a:ext>
+            </a:extLst>
+          </p:cNvPr>
+          <p:cNvPicPr>
+            <a:picLocks noChangeAspect="1"/>
+          </p:cNvPicPr>
+          <p:nvPr/>
+        </p:nvPicPr>
+        <p:blipFill>
+          <a:blip r:embed="rId2">
+            <a:extLst>
+              <a:ext uri="{28A0092B-C50C-407E-A947-70E740481C1C}">
+                <a14:useLocalDpi xmlns:a14="http://schemas.microsoft.com/office/drawing/2010/main" val="0"/>
+              </a:ext>
+            </a:extLst>
+          </a:blip>
+          <a:stretch>
+            <a:fillRect/>
+          </a:stretch>
+        </p:blipFill>
+        <p:spPr>
+          <a:xfrm>
+            <a:off x="2517322" y="1795521"/>
+            <a:ext cx="6896100" cy="2072640"/>
+          </a:xfrm>
+          <a:prstGeom prst="rect">
+            <a:avLst/>
+          </a:prstGeom>
+        </p:spPr>
+      </p:pic>
+      <p:sp>
+        <p:nvSpPr>
+          <p:cNvPr id="4" name="TextBox 3">
+            <a:extLst>
+              <a:ext uri="{FF2B5EF4-FFF2-40B4-BE49-F238E27FC236}">
+                <a16:creationId xmlns:a16="http://schemas.microsoft.com/office/drawing/2014/main" id="{36CFB8E6-037F-4283-9D73-B3BF1D1891D5}"/>
+              </a:ext>
+            </a:extLst>
+          </p:cNvPr>
+          <p:cNvSpPr txBox="1"/>
+          <p:nvPr/>
+        </p:nvSpPr>
+        <p:spPr>
+          <a:xfrm>
+            <a:off x="961053" y="513184"/>
+            <a:ext cx="4833257" cy="369332"/>
+          </a:xfrm>
+          <a:prstGeom prst="rect">
+            <a:avLst/>
+          </a:prstGeom>
+          <a:noFill/>
+        </p:spPr>
+        <p:txBody>
+          <a:bodyPr wrap="square" rtlCol="0">
+            <a:spAutoFit/>
+          </a:bodyPr>
+          <a:lstStyle/>
+          <a:p>
+            <a:r>
+              <a:rPr lang="en-IN" dirty="0"/>
+              <a:t>PUBLISHLING THE MSG:</a:t>
+            </a:r>
+          </a:p>
+        </p:txBody>
+      </p:sp>
+    </p:spTree>
+    <p:extLst>
+      <p:ext uri="{BB962C8B-B14F-4D97-AF65-F5344CB8AC3E}">
+        <p14:creationId xmlns:p14="http://schemas.microsoft.com/office/powerpoint/2010/main" val="3309408373"/>
+      </p:ext>
+    </p:extLst>
+  </p:cSld>
+  <p:clrMapOvr>
+    <a:masterClrMapping/>
+  </p:clrMapOvr>
+</p:sld>
+</file>
+
+<file path=ppt/slides/slide18.xml><?xml version="1.0" encoding="utf-8"?>
+<p:sld xmlns:a="http://schemas.openxmlformats.org/drawingml/2006/main" xmlns:r="http://schemas.openxmlformats.org/officeDocument/2006/relationships" xmlns:p="http://schemas.openxmlformats.org/presentationml/2006/main">
+  <p:cSld>
+    <p:spTree>
+      <p:nvGrpSpPr>
+        <p:cNvPr id="1" name=""/>
+        <p:cNvGrpSpPr/>
+        <p:nvPr/>
+      </p:nvGrpSpPr>
+      <p:grpSpPr>
+        <a:xfrm>
+          <a:off x="0" y="0"/>
+          <a:ext cx="0" cy="0"/>
+          <a:chOff x="0" y="0"/>
+          <a:chExt cx="0" cy="0"/>
+        </a:xfrm>
+      </p:grpSpPr>
+      <p:sp>
+        <p:nvSpPr>
+          <p:cNvPr id="2" name="TextBox 1">
+            <a:extLst>
+              <a:ext uri="{FF2B5EF4-FFF2-40B4-BE49-F238E27FC236}">
+                <a16:creationId xmlns:a16="http://schemas.microsoft.com/office/drawing/2014/main" id="{7B72FD60-CC37-442D-A144-9242ECF23FFC}"/>
+              </a:ext>
+            </a:extLst>
+          </p:cNvPr>
+          <p:cNvSpPr txBox="1"/>
+          <p:nvPr/>
+        </p:nvSpPr>
+        <p:spPr>
+          <a:xfrm>
+            <a:off x="4553339" y="149290"/>
+            <a:ext cx="3284375" cy="800219"/>
+          </a:xfrm>
+          <a:prstGeom prst="rect">
+            <a:avLst/>
+          </a:prstGeom>
+          <a:noFill/>
+        </p:spPr>
+        <p:txBody>
+          <a:bodyPr wrap="square" rtlCol="0">
+            <a:spAutoFit/>
+          </a:bodyPr>
+          <a:lstStyle/>
+          <a:p>
+            <a:r>
+              <a:rPr lang="en-IN" sz="2800" b="0" i="0" dirty="0">
+                <a:solidFill>
+                  <a:srgbClr val="006909"/>
+                </a:solidFill>
+                <a:effectLst/>
+                <a:latin typeface="-apple-system"/>
+              </a:rPr>
+              <a:t>Header</a:t>
+            </a:r>
+            <a:r>
+              <a:rPr lang="en-IN" b="0" i="0" dirty="0">
+                <a:solidFill>
+                  <a:srgbClr val="006909"/>
+                </a:solidFill>
+                <a:effectLst/>
+                <a:latin typeface="-apple-system"/>
+              </a:rPr>
+              <a:t> </a:t>
+            </a:r>
+            <a:r>
+              <a:rPr lang="en-IN" sz="2800" b="0" i="0" dirty="0">
+                <a:solidFill>
+                  <a:srgbClr val="006909"/>
+                </a:solidFill>
+                <a:effectLst/>
+                <a:latin typeface="-apple-system"/>
+              </a:rPr>
+              <a:t>Exchange</a:t>
+            </a:r>
+          </a:p>
+          <a:p>
+            <a:endParaRPr lang="en-IN" dirty="0"/>
+          </a:p>
+        </p:txBody>
+      </p:sp>
+      <p:sp>
+        <p:nvSpPr>
+          <p:cNvPr id="4" name="Rectangle 1">
+            <a:extLst>
+              <a:ext uri="{FF2B5EF4-FFF2-40B4-BE49-F238E27FC236}">
+                <a16:creationId xmlns:a16="http://schemas.microsoft.com/office/drawing/2014/main" id="{059704AF-42C7-4FD2-8F68-9D6431FAD4A1}"/>
+              </a:ext>
+            </a:extLst>
+          </p:cNvPr>
+          <p:cNvSpPr>
+            <a:spLocks noChangeArrowheads="1"/>
+          </p:cNvSpPr>
+          <p:nvPr/>
+        </p:nvSpPr>
+        <p:spPr bwMode="auto">
+          <a:xfrm>
+            <a:off x="0" y="26000"/>
+            <a:ext cx="65" cy="405199"/>
+          </a:xfrm>
+          <a:prstGeom prst="rect">
+            <a:avLst/>
+          </a:prstGeom>
+          <a:solidFill>
+            <a:srgbClr val="F7F7F7"/>
+          </a:solidFill>
+          <a:ln>
+            <a:noFill/>
+          </a:ln>
+          <a:effectLst/>
+          <a:extLst>
+            <a:ext uri="{91240B29-F687-4F45-9708-019B960494DF}">
+              <a14:hiddenLine xmlns:a14="http://schemas.microsoft.com/office/drawing/2010/main" w="9525">
+                <a:solidFill>
+                  <a:schemeClr val="tx1"/>
+                </a:solidFill>
+                <a:miter lim="800000"/>
+                <a:headEnd/>
+                <a:tailEnd/>
+              </a14:hiddenLine>
+            </a:ext>
+            <a:ext uri="{AF507438-7753-43E0-B8FC-AC1667EBCBE1}">
+              <a14:hiddenEffects xmlns:a14="http://schemas.microsoft.com/office/drawing/2010/main">
+                <a:effectLst>
+                  <a:outerShdw dist="35921" dir="2700000" algn="ctr" rotWithShape="0">
+                    <a:schemeClr val="bg2"/>
+                  </a:outerShdw>
+                </a:effectLst>
+              </a14:hiddenEffects>
+            </a:ext>
+          </a:extLst>
+        </p:spPr>
+        <p:txBody>
+          <a:bodyPr vert="horz" wrap="none" lIns="0" tIns="63480" rIns="0" bIns="63480" numCol="1" anchor="ctr" anchorCtr="0" compatLnSpc="1">
+            <a:prstTxWarp prst="textNoShape">
+              <a:avLst/>
+            </a:prstTxWarp>
+            <a:spAutoFit/>
+          </a:bodyPr>
+          <a:lstStyle/>
+          <a:p>
+            <a:pPr marL="0" marR="0" lvl="0" indent="0" algn="l" defTabSz="914400" rtl="0" eaLnBrk="0" fontAlgn="base" latinLnBrk="0" hangingPunct="0">
+              <a:lnSpc>
+                <a:spcPct val="100000"/>
+              </a:lnSpc>
+              <a:spcBef>
+                <a:spcPct val="0"/>
+              </a:spcBef>
+              <a:spcAft>
+                <a:spcPct val="0"/>
+              </a:spcAft>
+              <a:buClrTx/>
+              <a:buSzTx/>
+              <a:buFontTx/>
+              <a:buNone/>
+              <a:tabLst/>
+            </a:pPr>
+            <a:endParaRPr kumimoji="0" lang="en-US" altLang="en-US" sz="1800" b="0" i="0" u="none" strike="noStrike" cap="none" normalizeH="0" baseline="0" dirty="0">
+              <a:ln>
+                <a:noFill/>
+              </a:ln>
+              <a:solidFill>
+                <a:schemeClr val="tx1"/>
+              </a:solidFill>
+              <a:effectLst/>
+              <a:latin typeface="Arial" panose="020B0604020202020204" pitchFamily="34" charset="0"/>
+            </a:endParaRPr>
+          </a:p>
+        </p:txBody>
+      </p:sp>
+      <p:sp>
+        <p:nvSpPr>
+          <p:cNvPr id="5" name="TextBox 4">
+            <a:extLst>
+              <a:ext uri="{FF2B5EF4-FFF2-40B4-BE49-F238E27FC236}">
+                <a16:creationId xmlns:a16="http://schemas.microsoft.com/office/drawing/2014/main" id="{EECF9770-29CE-4781-84B3-DEA1E258E4C5}"/>
+              </a:ext>
+            </a:extLst>
+          </p:cNvPr>
+          <p:cNvSpPr txBox="1"/>
+          <p:nvPr/>
+        </p:nvSpPr>
+        <p:spPr>
+          <a:xfrm>
+            <a:off x="298580" y="1082351"/>
+            <a:ext cx="11066106" cy="2862322"/>
+          </a:xfrm>
+          <a:prstGeom prst="rect">
+            <a:avLst/>
+          </a:prstGeom>
+          <a:noFill/>
+        </p:spPr>
+        <p:txBody>
+          <a:bodyPr wrap="square" rtlCol="0">
+            <a:spAutoFit/>
+          </a:bodyPr>
+          <a:lstStyle/>
+          <a:p>
+            <a:pPr marL="0" marR="0" lvl="0" indent="0" algn="l" defTabSz="914400" rtl="0" eaLnBrk="0" fontAlgn="base" latinLnBrk="0" hangingPunct="0">
+              <a:lnSpc>
+                <a:spcPct val="100000"/>
+              </a:lnSpc>
+              <a:spcBef>
+                <a:spcPct val="0"/>
+              </a:spcBef>
+              <a:spcAft>
+                <a:spcPct val="0"/>
+              </a:spcAft>
+              <a:buClrTx/>
+              <a:buSzTx/>
+              <a:buFontTx/>
+              <a:buNone/>
+              <a:tabLst/>
+            </a:pPr>
+            <a:r>
+              <a:rPr kumimoji="0" lang="en-US" altLang="en-US" sz="1800" b="0" i="0" u="none" strike="noStrike" cap="none" normalizeH="0" baseline="0" dirty="0">
+                <a:ln>
+                  <a:noFill/>
+                </a:ln>
+                <a:solidFill>
+                  <a:srgbClr val="333333"/>
+                </a:solidFill>
+                <a:effectLst/>
+                <a:latin typeface="Menlo"/>
+              </a:rPr>
+              <a:t>@Bean HeadersExchange headerExchange() { </a:t>
+            </a:r>
+          </a:p>
+          <a:p>
+            <a:pPr marL="0" marR="0" lvl="0" indent="0" algn="l" defTabSz="914400" rtl="0" eaLnBrk="0" fontAlgn="base" latinLnBrk="0" hangingPunct="0">
+              <a:lnSpc>
+                <a:spcPct val="100000"/>
+              </a:lnSpc>
+              <a:spcBef>
+                <a:spcPct val="0"/>
+              </a:spcBef>
+              <a:spcAft>
+                <a:spcPct val="0"/>
+              </a:spcAft>
+              <a:buClrTx/>
+              <a:buSzTx/>
+              <a:buFontTx/>
+              <a:buNone/>
+              <a:tabLst/>
+            </a:pPr>
+            <a:r>
+              <a:rPr kumimoji="0" lang="en-US" altLang="en-US" sz="1800" b="0" i="0" u="none" strike="noStrike" cap="none" normalizeH="0" baseline="0" dirty="0">
+                <a:ln>
+                  <a:noFill/>
+                </a:ln>
+                <a:solidFill>
+                  <a:srgbClr val="333333"/>
+                </a:solidFill>
+                <a:effectLst/>
+                <a:latin typeface="Menlo"/>
+              </a:rPr>
+              <a:t>return new HeadersExchange("header-exchange"); } </a:t>
+            </a:r>
+          </a:p>
+          <a:p>
+            <a:pPr marL="0" marR="0" lvl="0" indent="0" algn="l" defTabSz="914400" rtl="0" eaLnBrk="0" fontAlgn="base" latinLnBrk="0" hangingPunct="0">
+              <a:lnSpc>
+                <a:spcPct val="100000"/>
+              </a:lnSpc>
+              <a:spcBef>
+                <a:spcPct val="0"/>
+              </a:spcBef>
+              <a:spcAft>
+                <a:spcPct val="0"/>
+              </a:spcAft>
+              <a:buClrTx/>
+              <a:buSzTx/>
+              <a:buFontTx/>
+              <a:buNone/>
+              <a:tabLst/>
+            </a:pPr>
+            <a:endParaRPr kumimoji="0" lang="en-US" altLang="en-US" sz="1800" b="0" i="0" u="none" strike="noStrike" cap="none" normalizeH="0" baseline="0" dirty="0">
+              <a:ln>
+                <a:noFill/>
+              </a:ln>
+              <a:solidFill>
+                <a:srgbClr val="333333"/>
+              </a:solidFill>
+              <a:effectLst/>
+              <a:latin typeface="Menlo"/>
+            </a:endParaRPr>
+          </a:p>
+          <a:p>
+            <a:pPr marL="0" marR="0" lvl="0" indent="0" algn="l" defTabSz="914400" rtl="0" eaLnBrk="0" fontAlgn="base" latinLnBrk="0" hangingPunct="0">
+              <a:lnSpc>
+                <a:spcPct val="100000"/>
+              </a:lnSpc>
+              <a:spcBef>
+                <a:spcPct val="0"/>
+              </a:spcBef>
+              <a:spcAft>
+                <a:spcPct val="0"/>
+              </a:spcAft>
+              <a:buClrTx/>
+              <a:buSzTx/>
+              <a:buFontTx/>
+              <a:buNone/>
+              <a:tabLst/>
+            </a:pPr>
+            <a:r>
+              <a:rPr kumimoji="0" lang="en-US" altLang="en-US" sz="1800" b="0" i="0" u="none" strike="noStrike" cap="none" normalizeH="0" baseline="0" dirty="0">
+                <a:ln>
+                  <a:noFill/>
+                </a:ln>
+                <a:solidFill>
+                  <a:srgbClr val="333333"/>
+                </a:solidFill>
+                <a:effectLst/>
+                <a:latin typeface="Menlo"/>
+              </a:rPr>
+              <a:t>@Bean Binding marketingBinding(Queue marketingQueue, HeadersExchange headerExchange) { </a:t>
+            </a:r>
+          </a:p>
+          <a:p>
+            <a:pPr marL="0" marR="0" lvl="0" indent="0" algn="l" defTabSz="914400" rtl="0" eaLnBrk="0" fontAlgn="base" latinLnBrk="0" hangingPunct="0">
+              <a:lnSpc>
+                <a:spcPct val="100000"/>
+              </a:lnSpc>
+              <a:spcBef>
+                <a:spcPct val="0"/>
+              </a:spcBef>
+              <a:spcAft>
+                <a:spcPct val="0"/>
+              </a:spcAft>
+              <a:buClrTx/>
+              <a:buSzTx/>
+              <a:buFontTx/>
+              <a:buNone/>
+              <a:tabLst/>
+            </a:pPr>
+            <a:r>
+              <a:rPr kumimoji="0" lang="en-US" altLang="en-US" sz="1800" b="0" i="0" u="none" strike="noStrike" cap="none" normalizeH="0" baseline="0" dirty="0">
+                <a:ln>
+                  <a:noFill/>
+                </a:ln>
+                <a:solidFill>
+                  <a:srgbClr val="333333"/>
+                </a:solidFill>
+                <a:effectLst/>
+                <a:latin typeface="Menlo"/>
+              </a:rPr>
+              <a:t>Return BindingBuilder.bind(marketingQueue).to(headerExchange).where("department").matches("marketing"); </a:t>
+            </a:r>
+          </a:p>
+          <a:p>
+            <a:pPr marL="0" marR="0" lvl="0" indent="0" algn="l" defTabSz="914400" rtl="0" eaLnBrk="0" fontAlgn="base" latinLnBrk="0" hangingPunct="0">
+              <a:lnSpc>
+                <a:spcPct val="100000"/>
+              </a:lnSpc>
+              <a:spcBef>
+                <a:spcPct val="0"/>
+              </a:spcBef>
+              <a:spcAft>
+                <a:spcPct val="0"/>
+              </a:spcAft>
+              <a:buClrTx/>
+              <a:buSzTx/>
+              <a:buFontTx/>
+              <a:buNone/>
+              <a:tabLst/>
+            </a:pPr>
+            <a:r>
+              <a:rPr kumimoji="0" lang="en-US" altLang="en-US" sz="1800" b="0" i="0" u="none" strike="noStrike" cap="none" normalizeH="0" baseline="0" dirty="0">
+                <a:ln>
+                  <a:noFill/>
+                </a:ln>
+                <a:solidFill>
+                  <a:srgbClr val="333333"/>
+                </a:solidFill>
+                <a:effectLst/>
+                <a:latin typeface="Menlo"/>
+              </a:rPr>
+              <a:t>}</a:t>
+            </a:r>
+          </a:p>
+          <a:p>
+            <a:pPr marL="0" marR="0" lvl="0" indent="0" algn="l" defTabSz="914400" rtl="0" eaLnBrk="0" fontAlgn="base" latinLnBrk="0" hangingPunct="0">
+              <a:lnSpc>
+                <a:spcPct val="100000"/>
+              </a:lnSpc>
+              <a:spcBef>
+                <a:spcPct val="0"/>
+              </a:spcBef>
+              <a:spcAft>
+                <a:spcPct val="0"/>
+              </a:spcAft>
+              <a:buClrTx/>
+              <a:buSzTx/>
+              <a:buFontTx/>
+              <a:buNone/>
+              <a:tabLst/>
+            </a:pPr>
+            <a:endParaRPr lang="en-US" altLang="en-US" dirty="0">
+              <a:solidFill>
+                <a:srgbClr val="333333"/>
+              </a:solidFill>
+              <a:latin typeface="Menlo"/>
+            </a:endParaRPr>
+          </a:p>
+          <a:p>
+            <a:pPr marL="0" marR="0" lvl="0" indent="0" algn="l" defTabSz="914400" rtl="0" eaLnBrk="0" fontAlgn="base" latinLnBrk="0" hangingPunct="0">
+              <a:lnSpc>
+                <a:spcPct val="100000"/>
+              </a:lnSpc>
+              <a:spcBef>
+                <a:spcPct val="0"/>
+              </a:spcBef>
+              <a:spcAft>
+                <a:spcPct val="0"/>
+              </a:spcAft>
+              <a:buClrTx/>
+              <a:buSzTx/>
+              <a:buFontTx/>
+              <a:buNone/>
+              <a:tabLst/>
+            </a:pPr>
+            <a:r>
+              <a:rPr kumimoji="0" lang="en-US" altLang="en-US" sz="1800" b="0" i="0" u="none" strike="noStrike" cap="none" normalizeH="0" baseline="0" dirty="0">
+                <a:ln>
+                  <a:noFill/>
+                </a:ln>
+                <a:solidFill>
+                  <a:srgbClr val="333333"/>
+                </a:solidFill>
+                <a:effectLst/>
+                <a:latin typeface="Menlo"/>
+              </a:rPr>
+              <a:t> @Bean Binding financeBinding(Queue financeQueue, HeadersExchange headerExchange) { </a:t>
+            </a:r>
+          </a:p>
+          <a:p>
+            <a:pPr marL="0" marR="0" lvl="0" indent="0" algn="l" defTabSz="914400" rtl="0" eaLnBrk="0" fontAlgn="base" latinLnBrk="0" hangingPunct="0">
+              <a:lnSpc>
+                <a:spcPct val="100000"/>
+              </a:lnSpc>
+              <a:spcBef>
+                <a:spcPct val="0"/>
+              </a:spcBef>
+              <a:spcAft>
+                <a:spcPct val="0"/>
+              </a:spcAft>
+              <a:buClrTx/>
+              <a:buSzTx/>
+              <a:buFontTx/>
+              <a:buNone/>
+              <a:tabLst/>
+            </a:pPr>
+            <a:r>
+              <a:rPr kumimoji="0" lang="en-US" altLang="en-US" sz="1800" b="0" i="0" u="none" strike="noStrike" cap="none" normalizeH="0" baseline="0" dirty="0">
+                <a:ln>
+                  <a:noFill/>
+                </a:ln>
+                <a:solidFill>
+                  <a:srgbClr val="333333"/>
+                </a:solidFill>
+                <a:effectLst/>
+                <a:latin typeface="Menlo"/>
+              </a:rPr>
+              <a:t>return BindingBuilder.bind(financeQueue).to(headerExchange).where("department").matches("finance");</a:t>
+            </a:r>
+          </a:p>
+          <a:p>
+            <a:pPr marL="0" marR="0" lvl="0" indent="0" algn="l" defTabSz="914400" rtl="0" eaLnBrk="0" fontAlgn="base" latinLnBrk="0" hangingPunct="0">
+              <a:lnSpc>
+                <a:spcPct val="100000"/>
+              </a:lnSpc>
+              <a:spcBef>
+                <a:spcPct val="0"/>
+              </a:spcBef>
+              <a:spcAft>
+                <a:spcPct val="0"/>
+              </a:spcAft>
+              <a:buClrTx/>
+              <a:buSzTx/>
+              <a:buFontTx/>
+              <a:buNone/>
+              <a:tabLst/>
+            </a:pPr>
+            <a:r>
+              <a:rPr kumimoji="0" lang="en-US" altLang="en-US" sz="1800" b="0" i="0" u="none" strike="noStrike" cap="none" normalizeH="0" baseline="0" dirty="0">
+                <a:ln>
+                  <a:noFill/>
+                </a:ln>
+                <a:solidFill>
+                  <a:srgbClr val="333333"/>
+                </a:solidFill>
+                <a:effectLst/>
+                <a:latin typeface="Menlo"/>
+              </a:rPr>
+              <a:t> }</a:t>
+            </a:r>
+            <a:r>
+              <a:rPr kumimoji="0" lang="en-US" altLang="en-US" sz="1400" b="0" i="0" u="none" strike="noStrike" cap="none" normalizeH="0" baseline="0" dirty="0">
+                <a:ln>
+                  <a:noFill/>
+                </a:ln>
+                <a:solidFill>
+                  <a:schemeClr val="tx1"/>
+                </a:solidFill>
+                <a:effectLst/>
+              </a:rPr>
+              <a:t> </a:t>
+            </a:r>
+            <a:endParaRPr kumimoji="0" lang="en-US" altLang="en-US" sz="4000" b="0" i="0" u="none" strike="noStrike" cap="none" normalizeH="0" baseline="0" dirty="0">
+              <a:ln>
+                <a:noFill/>
+              </a:ln>
+              <a:solidFill>
+                <a:schemeClr val="tx1"/>
+              </a:solidFill>
+              <a:effectLst/>
+              <a:latin typeface="Arial" panose="020B0604020202020204" pitchFamily="34" charset="0"/>
+            </a:endParaRPr>
+          </a:p>
+        </p:txBody>
+      </p:sp>
+      <p:sp>
+        <p:nvSpPr>
+          <p:cNvPr id="9" name="Rectangle 3">
+            <a:extLst>
+              <a:ext uri="{FF2B5EF4-FFF2-40B4-BE49-F238E27FC236}">
+                <a16:creationId xmlns:a16="http://schemas.microsoft.com/office/drawing/2014/main" id="{C35420F9-C3E9-4099-8A11-62EE6794B9FE}"/>
+              </a:ext>
+            </a:extLst>
+          </p:cNvPr>
+          <p:cNvSpPr>
+            <a:spLocks noChangeArrowheads="1"/>
+          </p:cNvSpPr>
+          <p:nvPr/>
+        </p:nvSpPr>
+        <p:spPr bwMode="auto">
+          <a:xfrm>
+            <a:off x="0" y="26000"/>
+            <a:ext cx="65" cy="405199"/>
+          </a:xfrm>
+          <a:prstGeom prst="rect">
+            <a:avLst/>
+          </a:prstGeom>
+          <a:solidFill>
+            <a:srgbClr val="F7F7F7"/>
+          </a:solidFill>
+          <a:ln>
+            <a:noFill/>
+          </a:ln>
+          <a:effectLst/>
+          <a:extLst>
+            <a:ext uri="{91240B29-F687-4F45-9708-019B960494DF}">
+              <a14:hiddenLine xmlns:a14="http://schemas.microsoft.com/office/drawing/2010/main" w="9525">
+                <a:solidFill>
+                  <a:schemeClr val="tx1"/>
+                </a:solidFill>
+                <a:miter lim="800000"/>
+                <a:headEnd/>
+                <a:tailEnd/>
+              </a14:hiddenLine>
+            </a:ext>
+            <a:ext uri="{AF507438-7753-43E0-B8FC-AC1667EBCBE1}">
+              <a14:hiddenEffects xmlns:a14="http://schemas.microsoft.com/office/drawing/2010/main">
+                <a:effectLst>
+                  <a:outerShdw dist="35921" dir="2700000" algn="ctr" rotWithShape="0">
+                    <a:schemeClr val="bg2"/>
+                  </a:outerShdw>
+                </a:effectLst>
+              </a14:hiddenEffects>
+            </a:ext>
+          </a:extLst>
+        </p:spPr>
+        <p:txBody>
+          <a:bodyPr vert="horz" wrap="none" lIns="0" tIns="63480" rIns="0" bIns="63480" numCol="1" anchor="ctr" anchorCtr="0" compatLnSpc="1">
+            <a:prstTxWarp prst="textNoShape">
+              <a:avLst/>
+            </a:prstTxWarp>
+            <a:spAutoFit/>
+          </a:bodyPr>
+          <a:lstStyle/>
+          <a:p>
+            <a:pPr marL="0" marR="0" lvl="0" indent="0" algn="l" defTabSz="914400" rtl="0" eaLnBrk="0" fontAlgn="base" latinLnBrk="0" hangingPunct="0">
+              <a:lnSpc>
+                <a:spcPct val="100000"/>
+              </a:lnSpc>
+              <a:spcBef>
+                <a:spcPct val="0"/>
+              </a:spcBef>
+              <a:spcAft>
+                <a:spcPct val="0"/>
+              </a:spcAft>
+              <a:buClrTx/>
+              <a:buSzTx/>
+              <a:buFontTx/>
+              <a:buNone/>
+              <a:tabLst/>
+            </a:pPr>
+            <a:endParaRPr kumimoji="0" lang="en-US" altLang="en-US" sz="1800" b="0" i="0" u="none" strike="noStrike" cap="none" normalizeH="0" baseline="0" dirty="0">
+              <a:ln>
+                <a:noFill/>
+              </a:ln>
+              <a:solidFill>
+                <a:schemeClr val="tx1"/>
+              </a:solidFill>
+              <a:effectLst/>
+              <a:latin typeface="Arial" panose="020B0604020202020204" pitchFamily="34" charset="0"/>
+            </a:endParaRPr>
+          </a:p>
+        </p:txBody>
+      </p:sp>
+      <p:sp>
+        <p:nvSpPr>
+          <p:cNvPr id="10" name="TextBox 9">
+            <a:extLst>
+              <a:ext uri="{FF2B5EF4-FFF2-40B4-BE49-F238E27FC236}">
+                <a16:creationId xmlns:a16="http://schemas.microsoft.com/office/drawing/2014/main" id="{07FE8631-6CE2-4D7D-828A-95BCFF79A758}"/>
+              </a:ext>
+            </a:extLst>
+          </p:cNvPr>
+          <p:cNvSpPr txBox="1"/>
+          <p:nvPr/>
+        </p:nvSpPr>
+        <p:spPr>
+          <a:xfrm>
+            <a:off x="298580" y="3991326"/>
+            <a:ext cx="9013371" cy="2923877"/>
+          </a:xfrm>
+          <a:prstGeom prst="rect">
+            <a:avLst/>
+          </a:prstGeom>
+          <a:noFill/>
+        </p:spPr>
+        <p:txBody>
+          <a:bodyPr wrap="square" rtlCol="0">
+            <a:spAutoFit/>
+          </a:bodyPr>
+          <a:lstStyle/>
+          <a:p>
+            <a:r>
+              <a:rPr kumimoji="0" lang="en-US" altLang="en-US" sz="1800" b="1" i="0" u="sng" strike="noStrike" cap="none" normalizeH="0" baseline="0" dirty="0">
+                <a:ln>
+                  <a:noFill/>
+                </a:ln>
+                <a:solidFill>
+                  <a:srgbClr val="FF0000"/>
+                </a:solidFill>
+                <a:effectLst/>
+                <a:latin typeface="Menlo"/>
+              </a:rPr>
+              <a:t>PUBLISHER:</a:t>
+            </a:r>
+          </a:p>
+          <a:p>
+            <a:endParaRPr kumimoji="0" lang="en-US" altLang="en-US" sz="1800" b="0" i="0" u="none" strike="noStrike" cap="none" normalizeH="0" baseline="0" dirty="0">
+              <a:ln>
+                <a:noFill/>
+              </a:ln>
+              <a:solidFill>
+                <a:srgbClr val="333333"/>
+              </a:solidFill>
+              <a:effectLst/>
+              <a:latin typeface="Menlo"/>
+            </a:endParaRPr>
+          </a:p>
+          <a:p>
+            <a:r>
+              <a:rPr kumimoji="0" lang="en-US" altLang="en-US" sz="1800" b="0" i="0" u="none" strike="noStrike" cap="none" normalizeH="0" baseline="0" dirty="0">
+                <a:ln>
+                  <a:noFill/>
+                </a:ln>
+                <a:solidFill>
+                  <a:srgbClr val="333333"/>
+                </a:solidFill>
+                <a:effectLst/>
+                <a:latin typeface="Menlo"/>
+              </a:rPr>
+              <a:t>MessageProperties messageProperties = new MessageProperties(); messageProperties.setHeader("department", department); MessageConverter messageConverter = new SimpleMessageConverter(); </a:t>
+            </a:r>
+          </a:p>
+          <a:p>
+            <a:r>
+              <a:rPr kumimoji="0" lang="en-US" altLang="en-US" sz="1800" b="0" i="0" u="none" strike="noStrike" cap="none" normalizeH="0" baseline="0" dirty="0">
+                <a:ln>
+                  <a:noFill/>
+                </a:ln>
+                <a:solidFill>
+                  <a:srgbClr val="333333"/>
+                </a:solidFill>
+                <a:effectLst/>
+                <a:latin typeface="Menlo"/>
+              </a:rPr>
+              <a:t>Message message = messageConverter.toMessage(messageData, messageProperties); rabbitTemplate.send(exchange, "", message); </a:t>
+            </a:r>
+            <a:br>
+              <a:rPr kumimoji="0" lang="en-US" altLang="en-US" sz="1400" b="0" i="0" u="none" strike="noStrike" cap="none" normalizeH="0" baseline="0" dirty="0">
+                <a:ln>
+                  <a:noFill/>
+                </a:ln>
+                <a:solidFill>
+                  <a:schemeClr val="tx1"/>
+                </a:solidFill>
+                <a:effectLst/>
+              </a:rPr>
+            </a:br>
+            <a:endParaRPr kumimoji="0" lang="en-US" altLang="en-US" sz="4000" b="0" i="0" u="none" strike="noStrike" cap="none" normalizeH="0" baseline="0" dirty="0">
+              <a:ln>
+                <a:noFill/>
+              </a:ln>
+              <a:solidFill>
+                <a:schemeClr val="tx1"/>
+              </a:solidFill>
+              <a:effectLst/>
+              <a:latin typeface="Arial" panose="020B0604020202020204" pitchFamily="34" charset="0"/>
+            </a:endParaRPr>
+          </a:p>
+          <a:p>
+            <a:endParaRPr lang="en-IN" dirty="0"/>
+          </a:p>
+        </p:txBody>
+      </p:sp>
+      <p:sp>
+        <p:nvSpPr>
+          <p:cNvPr id="11" name="TextBox 10">
+            <a:extLst>
+              <a:ext uri="{FF2B5EF4-FFF2-40B4-BE49-F238E27FC236}">
+                <a16:creationId xmlns:a16="http://schemas.microsoft.com/office/drawing/2014/main" id="{A7C4F67B-820F-4ED3-9A42-84FD78DFB7B3}"/>
+              </a:ext>
+            </a:extLst>
+          </p:cNvPr>
+          <p:cNvSpPr txBox="1"/>
+          <p:nvPr/>
+        </p:nvSpPr>
+        <p:spPr>
+          <a:xfrm>
+            <a:off x="298580" y="718457"/>
+            <a:ext cx="2220685" cy="369332"/>
+          </a:xfrm>
+          <a:prstGeom prst="rect">
+            <a:avLst/>
+          </a:prstGeom>
+          <a:noFill/>
+        </p:spPr>
+        <p:txBody>
+          <a:bodyPr wrap="square" rtlCol="0">
+            <a:spAutoFit/>
+          </a:bodyPr>
+          <a:lstStyle/>
+          <a:p>
+            <a:r>
+              <a:rPr lang="en-IN" b="1" u="sng" dirty="0">
+                <a:solidFill>
+                  <a:srgbClr val="FF0000"/>
+                </a:solidFill>
+              </a:rPr>
+              <a:t>CONFIG</a:t>
+            </a:r>
+            <a:r>
+              <a:rPr lang="en-IN" dirty="0"/>
+              <a:t>:</a:t>
+            </a:r>
+          </a:p>
+        </p:txBody>
+      </p:sp>
+    </p:spTree>
+    <p:extLst>
+      <p:ext uri="{BB962C8B-B14F-4D97-AF65-F5344CB8AC3E}">
+        <p14:creationId xmlns:p14="http://schemas.microsoft.com/office/powerpoint/2010/main" val="1439908383"/>
+      </p:ext>
+    </p:extLst>
+  </p:cSld>
+  <p:clrMapOvr>
+    <a:masterClrMapping/>
+  </p:clrMapOvr>
+</p:sld>
+</file>
+
 <file path=ppt/slides/slide2.xml><?xml version="1.0" encoding="utf-8"?>
 <p:sld xmlns:a="http://schemas.openxmlformats.org/drawingml/2006/main" xmlns:r="http://schemas.openxmlformats.org/officeDocument/2006/relationships" xmlns:p="http://schemas.openxmlformats.org/presentationml/2006/main">
   <p:cSld>
@@ -5319,7 +6841,7 @@
         </p:nvSpPr>
         <p:spPr>
           <a:xfrm>
-            <a:off x="1604866" y="58846"/>
+            <a:off x="699796" y="197346"/>
             <a:ext cx="11812556" cy="6463308"/>
           </a:xfrm>
           <a:prstGeom prst="rect">
